--- a/cits1003-lecture_slides/CITS1003-9 CI & CPS.pptx
+++ b/cits1003-lecture_slides/CITS1003-9 CI & CPS.pptx
@@ -5,7 +5,7 @@
     <p:sldMasterId id="2147483763" r:id="rId1"/>
   </p:sldMasterIdLst>
   <p:notesMasterIdLst>
-    <p:notesMasterId r:id="rId27"/>
+    <p:notesMasterId r:id="rId28"/>
   </p:notesMasterIdLst>
   <p:sldIdLst>
     <p:sldId id="256" r:id="rId2"/>
@@ -33,6 +33,7 @@
     <p:sldId id="327" r:id="rId24"/>
     <p:sldId id="328" r:id="rId25"/>
     <p:sldId id="329" r:id="rId26"/>
+    <p:sldId id="330" r:id="rId27"/>
   </p:sldIdLst>
   <p:sldSz cx="12192000" cy="6858000"/>
   <p:notesSz cx="6858000" cy="9144000"/>
@@ -149,6 +150,43 @@
     </p:extLst>
   </p:cmAuthor>
 </p:cmAuthorLst>
+</file>
+
+<file path=ppt/changesInfos/changesInfo1.xml><?xml version="1.0" encoding="utf-8"?>
+<pc:chgInfo xmlns:a="http://schemas.openxmlformats.org/drawingml/2006/main" xmlns:r="http://schemas.openxmlformats.org/officeDocument/2006/relationships" xmlns:ac="http://schemas.microsoft.com/office/drawing/2013/main/command" xmlns:pc="http://schemas.microsoft.com/office/powerpoint/2013/main/command">
+  <pc:docChgLst>
+    <pc:chgData name="Robert McKnight" userId="d5c7fb24-67df-49c0-a0e8-7fe946ae099c" providerId="ADAL" clId="{2D375C17-57AE-46CE-BD3F-09C29EE5273C}"/>
+    <pc:docChg chg="addSld modSld">
+      <pc:chgData name="Robert McKnight" userId="d5c7fb24-67df-49c0-a0e8-7fe946ae099c" providerId="ADAL" clId="{2D375C17-57AE-46CE-BD3F-09C29EE5273C}" dt="2024-08-15T06:05:27.020" v="20" actId="20577"/>
+      <pc:docMkLst>
+        <pc:docMk/>
+      </pc:docMkLst>
+      <pc:sldChg chg="modSp new mod">
+        <pc:chgData name="Robert McKnight" userId="d5c7fb24-67df-49c0-a0e8-7fe946ae099c" providerId="ADAL" clId="{2D375C17-57AE-46CE-BD3F-09C29EE5273C}" dt="2024-08-15T06:05:27.020" v="20" actId="20577"/>
+        <pc:sldMkLst>
+          <pc:docMk/>
+          <pc:sldMk cId="1096496605" sldId="330"/>
+        </pc:sldMkLst>
+        <pc:spChg chg="mod">
+          <ac:chgData name="Robert McKnight" userId="d5c7fb24-67df-49c0-a0e8-7fe946ae099c" providerId="ADAL" clId="{2D375C17-57AE-46CE-BD3F-09C29EE5273C}" dt="2024-08-15T06:05:27.020" v="20" actId="20577"/>
+          <ac:spMkLst>
+            <pc:docMk/>
+            <pc:sldMk cId="1096496605" sldId="330"/>
+            <ac:spMk id="2" creationId="{FE7EFFB0-CE20-F956-F9A1-3E6C45DA5177}"/>
+          </ac:spMkLst>
+        </pc:spChg>
+        <pc:spChg chg="mod">
+          <ac:chgData name="Robert McKnight" userId="d5c7fb24-67df-49c0-a0e8-7fe946ae099c" providerId="ADAL" clId="{2D375C17-57AE-46CE-BD3F-09C29EE5273C}" dt="2024-08-15T06:05:20.778" v="1"/>
+          <ac:spMkLst>
+            <pc:docMk/>
+            <pc:sldMk cId="1096496605" sldId="330"/>
+            <ac:spMk id="3" creationId="{574BF796-BC03-C580-3675-C4610CAE3EB7}"/>
+          </ac:spMkLst>
+        </pc:spChg>
+      </pc:sldChg>
+    </pc:docChg>
+  </pc:docChgLst>
+</pc:chgInfo>
 </file>
 
 <file path=ppt/diagrams/colors1.xml><?xml version="1.0" encoding="utf-8"?>
@@ -1159,11 +1197,11 @@
     <dgm:cxn modelId="{B8FA4710-142A-6146-9194-89C000737207}" type="presOf" srcId="{55F01984-1263-43AC-A843-210FFA39D17F}" destId="{FC85F918-3396-E743-A28D-77761AC55675}" srcOrd="0" destOrd="0" presId="urn:microsoft.com/office/officeart/2016/7/layout/BasicLinearProcessNumbered"/>
     <dgm:cxn modelId="{E5237024-0BEB-364B-BF47-E92DF6C79612}" type="presOf" srcId="{7B42C523-760D-4343-B65F-2EC59DD56049}" destId="{671A51F4-33E6-AF45-A9E4-C2831E9F09B7}" srcOrd="0" destOrd="0" presId="urn:microsoft.com/office/officeart/2016/7/layout/BasicLinearProcessNumbered"/>
     <dgm:cxn modelId="{20462D31-7B48-6943-A334-3F621FDE32B3}" type="presOf" srcId="{7CB9E14A-8095-4762-B5AC-58166F5C2A8C}" destId="{4490C5FD-5E8E-0147-835D-8E976D747EED}" srcOrd="0" destOrd="0" presId="urn:microsoft.com/office/officeart/2016/7/layout/BasicLinearProcessNumbered"/>
+    <dgm:cxn modelId="{06D52A5D-D9E8-4B6C-AF01-EFC80AAD06CE}" srcId="{9F19B57A-77CB-4004-92FC-3D6F9D480037}" destId="{7B42C523-760D-4343-B65F-2EC59DD56049}" srcOrd="1" destOrd="0" parTransId="{4C2779A1-C5B1-46A5-B493-C9A96B1831CD}" sibTransId="{55F01984-1263-43AC-A843-210FFA39D17F}"/>
     <dgm:cxn modelId="{ADF65C44-2F4E-5640-A094-8A6B7ECF5821}" type="presOf" srcId="{E904FA07-1C28-4F73-ABC7-8861A60934D1}" destId="{A578E6DC-F79C-104E-A517-8B95DE882B81}" srcOrd="0" destOrd="0" presId="urn:microsoft.com/office/officeart/2016/7/layout/BasicLinearProcessNumbered"/>
     <dgm:cxn modelId="{C4AEB94C-AF98-B947-90F1-B91F57D0A716}" type="presOf" srcId="{2AAB36D4-FE52-4CA8-A73D-94A6479FD8F9}" destId="{A99C2452-C47C-064A-B3BA-35A182C37911}" srcOrd="1" destOrd="0" presId="urn:microsoft.com/office/officeart/2016/7/layout/BasicLinearProcessNumbered"/>
+    <dgm:cxn modelId="{AB480071-B579-FE4A-9C79-AC442AA6367E}" type="presOf" srcId="{2AAB36D4-FE52-4CA8-A73D-94A6479FD8F9}" destId="{5CD4D370-A395-2C4D-92E2-BE1F4E7C47D4}" srcOrd="0" destOrd="0" presId="urn:microsoft.com/office/officeart/2016/7/layout/BasicLinearProcessNumbered"/>
     <dgm:cxn modelId="{E853BF52-53F0-4886-B359-E92A0F8CD1E4}" srcId="{9F19B57A-77CB-4004-92FC-3D6F9D480037}" destId="{2AAB36D4-FE52-4CA8-A73D-94A6479FD8F9}" srcOrd="2" destOrd="0" parTransId="{C1C8D1CD-491A-4CFC-9EB7-8711AA19E6B6}" sibTransId="{7CB9E14A-8095-4762-B5AC-58166F5C2A8C}"/>
-    <dgm:cxn modelId="{06D52A5D-D9E8-4B6C-AF01-EFC80AAD06CE}" srcId="{9F19B57A-77CB-4004-92FC-3D6F9D480037}" destId="{7B42C523-760D-4343-B65F-2EC59DD56049}" srcOrd="1" destOrd="0" parTransId="{4C2779A1-C5B1-46A5-B493-C9A96B1831CD}" sibTransId="{55F01984-1263-43AC-A843-210FFA39D17F}"/>
-    <dgm:cxn modelId="{AB480071-B579-FE4A-9C79-AC442AA6367E}" type="presOf" srcId="{2AAB36D4-FE52-4CA8-A73D-94A6479FD8F9}" destId="{5CD4D370-A395-2C4D-92E2-BE1F4E7C47D4}" srcOrd="0" destOrd="0" presId="urn:microsoft.com/office/officeart/2016/7/layout/BasicLinearProcessNumbered"/>
     <dgm:cxn modelId="{176BF0B1-DAA9-9444-851F-FE5D8991F891}" type="presOf" srcId="{ED12C887-F858-4C9A-B88E-8B6CC061CC4F}" destId="{EFA214A2-97B7-D443-AE21-98AC27DF9456}" srcOrd="0" destOrd="0" presId="urn:microsoft.com/office/officeart/2016/7/layout/BasicLinearProcessNumbered"/>
     <dgm:cxn modelId="{36E1DFB5-D5B3-FE4D-8039-C1FD218B2B46}" type="presOf" srcId="{E904FA07-1C28-4F73-ABC7-8861A60934D1}" destId="{5A2BE66A-0BB3-E048-8EC5-B234697331C0}" srcOrd="1" destOrd="0" presId="urn:microsoft.com/office/officeart/2016/7/layout/BasicLinearProcessNumbered"/>
     <dgm:cxn modelId="{593893B7-1C1E-E945-BFBB-044965ED3B3F}" type="presOf" srcId="{9F19B57A-77CB-4004-92FC-3D6F9D480037}" destId="{ED3B8C43-9073-344B-996D-9D6D348CE5C6}" srcOrd="0" destOrd="0" presId="urn:microsoft.com/office/officeart/2016/7/layout/BasicLinearProcessNumbered"/>
@@ -3358,7 +3396,7 @@
           <a:p>
             <a:fld id="{6D6D7260-B7E4-B548-BD1F-84ED14536037}" type="datetimeFigureOut">
               <a:rPr lang="en-AU" smtClean="0"/>
-              <a:t>16/8/21</a:t>
+              <a:t>15/08/2024</a:t>
             </a:fld>
             <a:endParaRPr lang="en-AU"/>
           </a:p>
@@ -5911,7 +5949,7 @@
           <a:p>
             <a:fld id="{88D38747-4367-4BD2-8D51-C97E202738E2}" type="datetime1">
               <a:rPr lang="en-US" smtClean="0"/>
-              <a:t>8/16/21</a:t>
+              <a:t>8/15/2024</a:t>
             </a:fld>
             <a:endParaRPr lang="en-US" dirty="0"/>
           </a:p>
@@ -6216,7 +6254,7 @@
           <a:p>
             <a:fld id="{11F1B079-7EF0-44EE-B798-BCC497C9F3B2}" type="datetime1">
               <a:rPr lang="en-US" smtClean="0"/>
-              <a:t>8/16/21</a:t>
+              <a:t>8/15/2024</a:t>
             </a:fld>
             <a:endParaRPr lang="en-US" dirty="0"/>
           </a:p>
@@ -6410,7 +6448,7 @@
           <a:p>
             <a:fld id="{28FF70A8-1D13-4657-95F0-A9EA54967B8D}" type="datetime1">
               <a:rPr lang="en-US" smtClean="0"/>
-              <a:t>8/16/21</a:t>
+              <a:t>8/15/2024</a:t>
             </a:fld>
             <a:endParaRPr lang="en-US" dirty="0"/>
           </a:p>
@@ -6673,7 +6711,7 @@
           <a:p>
             <a:fld id="{21EB90AC-71BD-4C7F-8ACA-7B3F18292E63}" type="datetime1">
               <a:rPr lang="en-US" smtClean="0"/>
-              <a:t>8/16/21</a:t>
+              <a:t>8/15/2024</a:t>
             </a:fld>
             <a:endParaRPr lang="en-US" dirty="0"/>
           </a:p>
@@ -7109,7 +7147,7 @@
           <a:p>
             <a:fld id="{4E6EFC2C-8905-46F0-B443-CE905B76BA01}" type="datetime1">
               <a:rPr lang="en-US" smtClean="0"/>
-              <a:t>8/16/21</a:t>
+              <a:t>8/15/2024</a:t>
             </a:fld>
             <a:endParaRPr lang="en-US" dirty="0"/>
           </a:p>
@@ -7646,7 +7684,7 @@
           <a:p>
             <a:fld id="{D9079DC3-C9B5-499E-9140-0DC28B7074E2}" type="datetime1">
               <a:rPr lang="en-US" smtClean="0"/>
-              <a:t>8/16/21</a:t>
+              <a:t>8/15/2024</a:t>
             </a:fld>
             <a:endParaRPr lang="en-US" dirty="0"/>
           </a:p>
@@ -8528,7 +8566,7 @@
           <a:p>
             <a:fld id="{30BB33EA-E472-4D22-9C03-A9C14AA21CED}" type="datetime1">
               <a:rPr lang="en-US" smtClean="0"/>
-              <a:t>8/16/21</a:t>
+              <a:t>8/15/2024</a:t>
             </a:fld>
             <a:endParaRPr lang="en-US" dirty="0"/>
           </a:p>
@@ -8698,7 +8736,7 @@
           <a:p>
             <a:fld id="{217E833E-1B6D-415F-AD29-75AE8C43BD0D}" type="datetime1">
               <a:rPr lang="en-US" smtClean="0"/>
-              <a:t>8/16/21</a:t>
+              <a:t>8/15/2024</a:t>
             </a:fld>
             <a:endParaRPr lang="en-US" dirty="0"/>
           </a:p>
@@ -8882,7 +8920,7 @@
           <a:p>
             <a:fld id="{8452596F-08A7-4B70-989A-F2B1CF31E66B}" type="datetime1">
               <a:rPr lang="en-US" smtClean="0"/>
-              <a:t>8/16/21</a:t>
+              <a:t>8/15/2024</a:t>
             </a:fld>
             <a:endParaRPr lang="en-US" dirty="0"/>
           </a:p>
@@ -9052,7 +9090,7 @@
           <a:p>
             <a:fld id="{73C55A3C-5767-4844-A0A3-83778C2E5409}" type="datetime1">
               <a:rPr lang="en-US" smtClean="0"/>
-              <a:t>8/16/21</a:t>
+              <a:t>8/15/2024</a:t>
             </a:fld>
             <a:endParaRPr lang="en-US" dirty="0"/>
           </a:p>
@@ -9296,7 +9334,7 @@
           <a:p>
             <a:fld id="{CAE507A8-A5CF-4D38-AB86-7EDDA87A85D4}" type="datetime1">
               <a:rPr lang="en-US" smtClean="0"/>
-              <a:t>8/16/21</a:t>
+              <a:t>8/15/2024</a:t>
             </a:fld>
             <a:endParaRPr lang="en-US" dirty="0"/>
           </a:p>
@@ -9538,7 +9576,7 @@
           <a:p>
             <a:fld id="{BDFCD27C-8599-43EF-BA1D-14DDC1946E06}" type="datetime1">
               <a:rPr lang="en-US" smtClean="0"/>
-              <a:t>8/16/21</a:t>
+              <a:t>8/15/2024</a:t>
             </a:fld>
             <a:endParaRPr lang="en-US" dirty="0"/>
           </a:p>
@@ -10019,7 +10057,7 @@
           <a:p>
             <a:fld id="{49343D99-809A-49C0-96E5-4250D0B498EE}" type="datetime1">
               <a:rPr lang="en-US" smtClean="0"/>
-              <a:t>8/16/21</a:t>
+              <a:t>8/15/2024</a:t>
             </a:fld>
             <a:endParaRPr lang="en-US" dirty="0"/>
           </a:p>
@@ -10137,7 +10175,7 @@
           <a:p>
             <a:fld id="{A143DE9B-B678-4EFB-BB7D-A4370204A0B0}" type="datetime1">
               <a:rPr lang="en-US" smtClean="0"/>
-              <a:t>8/16/21</a:t>
+              <a:t>8/15/2024</a:t>
             </a:fld>
             <a:endParaRPr lang="en-US" dirty="0"/>
           </a:p>
@@ -10232,7 +10270,7 @@
           <a:p>
             <a:fld id="{E68812DA-F765-4142-A6A3-A8ED7235E082}" type="datetime1">
               <a:rPr lang="en-US" smtClean="0"/>
-              <a:t>8/16/21</a:t>
+              <a:t>8/15/2024</a:t>
             </a:fld>
             <a:endParaRPr lang="en-US" dirty="0"/>
           </a:p>
@@ -10487,7 +10525,7 @@
           <a:p>
             <a:fld id="{3E0277FD-7DE6-41D4-930D-AC99F5AFE54E}" type="datetime1">
               <a:rPr lang="en-US" smtClean="0"/>
-              <a:t>8/16/21</a:t>
+              <a:t>8/15/2024</a:t>
             </a:fld>
             <a:endParaRPr lang="en-US" dirty="0"/>
           </a:p>
@@ -10794,7 +10832,7 @@
           <a:p>
             <a:fld id="{9EA15526-7079-4B7B-987C-1B5FAE11A0FF}" type="datetime1">
               <a:rPr lang="en-US" smtClean="0"/>
-              <a:t>8/16/21</a:t>
+              <a:t>8/15/2024</a:t>
             </a:fld>
             <a:endParaRPr lang="en-US" dirty="0"/>
           </a:p>
@@ -11029,7 +11067,7 @@
           <a:p>
             <a:fld id="{073ED0CC-082F-4160-86E5-0D6041F12778}" type="datetime1">
               <a:rPr lang="en-US" smtClean="0"/>
-              <a:t>8/16/21</a:t>
+              <a:t>8/15/2024</a:t>
             </a:fld>
             <a:endParaRPr lang="en-US" dirty="0"/>
           </a:p>
@@ -11940,7 +11978,7 @@
           </a:effectLst>
           <a:extLst>
             <a:ext uri="{91240B29-F687-4f45-9708-019B960494DF}">
-              <a14:hiddenLine xmlns:a16="http://schemas.microsoft.com/office/drawing/2014/main" xmlns:p14="http://schemas.microsoft.com/office/powerpoint/2010/main" xmlns:a14="http://schemas.microsoft.com/office/drawing/2010/main" xmlns="" w="9525">
+              <a14:hiddenLine xmlns="" xmlns:a14="http://schemas.microsoft.com/office/drawing/2010/main" xmlns:p14="http://schemas.microsoft.com/office/powerpoint/2010/main" xmlns:a16="http://schemas.microsoft.com/office/drawing/2014/main" w="9525">
                 <a:solidFill>
                   <a:srgbClr val="000000"/>
                 </a:solidFill>
@@ -12925,7 +12963,7 @@
           </a:effectLst>
           <a:extLst>
             <a:ext uri="{91240B29-F687-4f45-9708-019B960494DF}">
-              <a14:hiddenLine xmlns="" xmlns:a14="http://schemas.microsoft.com/office/drawing/2010/main" xmlns:p14="http://schemas.microsoft.com/office/powerpoint/2010/main" xmlns:a16="http://schemas.microsoft.com/office/drawing/2014/main" w="9525">
+              <a14:hiddenLine xmlns:a16="http://schemas.microsoft.com/office/drawing/2014/main" xmlns:p14="http://schemas.microsoft.com/office/powerpoint/2010/main" xmlns:a14="http://schemas.microsoft.com/office/drawing/2010/main" xmlns="" w="9525">
                 <a:solidFill>
                   <a:srgbClr val="000000"/>
                 </a:solidFill>
@@ -14201,7 +14239,7 @@
           </a:effectLst>
           <a:extLst>
             <a:ext uri="{91240B29-F687-4f45-9708-019B960494DF}">
-              <a14:hiddenLine xmlns="" xmlns:a14="http://schemas.microsoft.com/office/drawing/2010/main" xmlns:p14="http://schemas.microsoft.com/office/powerpoint/2010/main" xmlns:a16="http://schemas.microsoft.com/office/drawing/2014/main" w="9525">
+              <a14:hiddenLine xmlns:a16="http://schemas.microsoft.com/office/drawing/2014/main" xmlns:p14="http://schemas.microsoft.com/office/powerpoint/2010/main" xmlns:a14="http://schemas.microsoft.com/office/drawing/2010/main" xmlns="" w="9525">
                 <a:solidFill>
                   <a:srgbClr val="000000"/>
                 </a:solidFill>
@@ -15532,6 +15570,175 @@
     <p:extLst>
       <p:ext uri="{BB962C8B-B14F-4D97-AF65-F5344CB8AC3E}">
         <p14:creationId xmlns:p14="http://schemas.microsoft.com/office/powerpoint/2010/main" val="3566368406"/>
+      </p:ext>
+    </p:extLst>
+  </p:cSld>
+  <p:clrMapOvr>
+    <a:masterClrMapping/>
+  </p:clrMapOvr>
+</p:sld>
+</file>
+
+<file path=ppt/slides/slide26.xml><?xml version="1.0" encoding="utf-8"?>
+<p:sld xmlns:a="http://schemas.openxmlformats.org/drawingml/2006/main" xmlns:r="http://schemas.openxmlformats.org/officeDocument/2006/relationships" xmlns:p="http://schemas.openxmlformats.org/presentationml/2006/main">
+  <p:cSld>
+    <p:spTree>
+      <p:nvGrpSpPr>
+        <p:cNvPr id="1" name=""/>
+        <p:cNvGrpSpPr/>
+        <p:nvPr/>
+      </p:nvGrpSpPr>
+      <p:grpSpPr>
+        <a:xfrm>
+          <a:off x="0" y="0"/>
+          <a:ext cx="0" cy="0"/>
+          <a:chOff x="0" y="0"/>
+          <a:chExt cx="0" cy="0"/>
+        </a:xfrm>
+      </p:grpSpPr>
+      <p:sp>
+        <p:nvSpPr>
+          <p:cNvPr id="2" name="Title 1">
+            <a:extLst>
+              <a:ext uri="{FF2B5EF4-FFF2-40B4-BE49-F238E27FC236}">
+                <a16:creationId xmlns:a16="http://schemas.microsoft.com/office/drawing/2014/main" id="{FE7EFFB0-CE20-F956-F9A1-3E6C45DA5177}"/>
+              </a:ext>
+            </a:extLst>
+          </p:cNvPr>
+          <p:cNvSpPr>
+            <a:spLocks noGrp="1"/>
+          </p:cNvSpPr>
+          <p:nvPr>
+            <p:ph type="title"/>
+          </p:nvPr>
+        </p:nvSpPr>
+        <p:spPr/>
+        <p:txBody>
+          <a:bodyPr/>
+          <a:lstStyle/>
+          <a:p>
+            <a:r>
+              <a:rPr lang="en-AU" dirty="0"/>
+              <a:t>The Essential Eight</a:t>
+            </a:r>
+          </a:p>
+        </p:txBody>
+      </p:sp>
+      <p:sp>
+        <p:nvSpPr>
+          <p:cNvPr id="3" name="Content Placeholder 2">
+            <a:extLst>
+              <a:ext uri="{FF2B5EF4-FFF2-40B4-BE49-F238E27FC236}">
+                <a16:creationId xmlns:a16="http://schemas.microsoft.com/office/drawing/2014/main" id="{574BF796-BC03-C580-3675-C4610CAE3EB7}"/>
+              </a:ext>
+            </a:extLst>
+          </p:cNvPr>
+          <p:cNvSpPr>
+            <a:spLocks noGrp="1"/>
+          </p:cNvSpPr>
+          <p:nvPr>
+            <p:ph idx="1"/>
+          </p:nvPr>
+        </p:nvSpPr>
+        <p:spPr/>
+        <p:txBody>
+          <a:bodyPr/>
+          <a:lstStyle/>
+          <a:p>
+            <a:r>
+              <a:rPr lang="en-AU" sz="1800" dirty="0"/>
+              <a:t>Can implement Australian Signals Directorate (ASD) Essential Eight:</a:t>
+            </a:r>
+          </a:p>
+          <a:p>
+            <a:pPr marL="792900" lvl="1" indent="-342900">
+              <a:buFont typeface="+mj-lt"/>
+              <a:buAutoNum type="arabicPeriod"/>
+            </a:pPr>
+            <a:r>
+              <a:rPr lang="en-AU" sz="1600" dirty="0"/>
+              <a:t>Application control: prevent the execution of unapproved/malicious  programs</a:t>
+            </a:r>
+          </a:p>
+          <a:p>
+            <a:pPr marL="792900" lvl="1" indent="-342900">
+              <a:buFont typeface="+mj-lt"/>
+              <a:buAutoNum type="arabicPeriod"/>
+            </a:pPr>
+            <a:r>
+              <a:rPr lang="en-AU" sz="1600" dirty="0"/>
+              <a:t>Configure Microsoft Office macro settings</a:t>
+            </a:r>
+          </a:p>
+          <a:p>
+            <a:pPr marL="792900" lvl="1" indent="-342900">
+              <a:buFont typeface="+mj-lt"/>
+              <a:buAutoNum type="arabicPeriod"/>
+            </a:pPr>
+            <a:r>
+              <a:rPr lang="en-AU" sz="1600" dirty="0"/>
+              <a:t>Restrict administration privileges</a:t>
+            </a:r>
+          </a:p>
+          <a:p>
+            <a:pPr marL="792900" lvl="1" indent="-342900">
+              <a:buFont typeface="+mj-lt"/>
+              <a:buAutoNum type="arabicPeriod"/>
+            </a:pPr>
+            <a:r>
+              <a:rPr lang="en-AU" sz="1600" dirty="0"/>
+              <a:t>Multi-factor Authentication</a:t>
+            </a:r>
+          </a:p>
+          <a:p>
+            <a:pPr marL="792900" lvl="1" indent="-342900">
+              <a:buFont typeface="+mj-lt"/>
+              <a:buAutoNum type="arabicPeriod"/>
+            </a:pPr>
+            <a:r>
+              <a:rPr lang="en-AU" sz="1600" dirty="0"/>
+              <a:t>Daily backups</a:t>
+            </a:r>
+          </a:p>
+          <a:p>
+            <a:pPr marL="792900" lvl="1" indent="-342900">
+              <a:buFont typeface="+mj-lt"/>
+              <a:buAutoNum type="arabicPeriod"/>
+            </a:pPr>
+            <a:r>
+              <a:rPr lang="en-AU" sz="1600" dirty="0"/>
+              <a:t>Patching applications</a:t>
+            </a:r>
+          </a:p>
+          <a:p>
+            <a:pPr marL="792900" lvl="1" indent="-342900">
+              <a:buFont typeface="+mj-lt"/>
+              <a:buAutoNum type="arabicPeriod"/>
+            </a:pPr>
+            <a:r>
+              <a:rPr lang="en-AU" sz="1600" dirty="0"/>
+              <a:t>Application hardening</a:t>
+            </a:r>
+          </a:p>
+          <a:p>
+            <a:pPr marL="792900" lvl="1" indent="-342900">
+              <a:buFont typeface="+mj-lt"/>
+              <a:buAutoNum type="arabicPeriod"/>
+            </a:pPr>
+            <a:r>
+              <a:rPr lang="en-AU" sz="1600" dirty="0"/>
+              <a:t>Patch Operating Systems </a:t>
+            </a:r>
+          </a:p>
+          <a:p>
+            <a:endParaRPr lang="en-AU" dirty="0"/>
+          </a:p>
+        </p:txBody>
+      </p:sp>
+    </p:spTree>
+    <p:extLst>
+      <p:ext uri="{BB962C8B-B14F-4D97-AF65-F5344CB8AC3E}">
+        <p14:creationId xmlns:p14="http://schemas.microsoft.com/office/powerpoint/2010/main" val="1096496605"/>
       </p:ext>
     </p:extLst>
   </p:cSld>
@@ -16354,7 +16561,7 @@
           </a:effectLst>
           <a:extLst>
             <a:ext uri="{91240B29-F687-4f45-9708-019B960494DF}">
-              <a14:hiddenLine xmlns="" xmlns:a14="http://schemas.microsoft.com/office/drawing/2010/main" xmlns:p14="http://schemas.microsoft.com/office/powerpoint/2010/main" xmlns:a16="http://schemas.microsoft.com/office/drawing/2014/main" w="9525">
+              <a14:hiddenLine xmlns:a16="http://schemas.microsoft.com/office/drawing/2014/main" xmlns:p14="http://schemas.microsoft.com/office/powerpoint/2010/main" xmlns:a14="http://schemas.microsoft.com/office/drawing/2010/main" xmlns="" w="9525">
                 <a:solidFill>
                   <a:srgbClr val="000000"/>
                 </a:solidFill>
